--- a/docs/diagrams/CheckSequenceDiagram.pptx
+++ b/docs/diagrams/CheckSequenceDiagram.pptx
@@ -210,7 +210,7 @@
           <a:p>
             <a:fld id="{F5CC4B3F-88C1-4FFA-B1B6-F41C21DC6924}" type="datetimeFigureOut">
               <a:rPr lang="en-US" smtClean="0"/>
-              <a:t>11/11/2018</a:t>
+              <a:t>11/12/2018</a:t>
             </a:fld>
             <a:endParaRPr lang="en-US"/>
           </a:p>
@@ -656,7 +656,7 @@
           <a:p>
             <a:fld id="{78C97017-6FC3-485B-9764-EAC9E56C1D49}" type="datetimeFigureOut">
               <a:rPr lang="en-US" smtClean="0"/>
-              <a:t>11/11/2018</a:t>
+              <a:t>11/12/2018</a:t>
             </a:fld>
             <a:endParaRPr lang="en-US"/>
           </a:p>
@@ -824,7 +824,7 @@
           <a:p>
             <a:fld id="{78C97017-6FC3-485B-9764-EAC9E56C1D49}" type="datetimeFigureOut">
               <a:rPr lang="en-US" smtClean="0"/>
-              <a:t>11/11/2018</a:t>
+              <a:t>11/12/2018</a:t>
             </a:fld>
             <a:endParaRPr lang="en-US"/>
           </a:p>
@@ -1002,7 +1002,7 @@
           <a:p>
             <a:fld id="{78C97017-6FC3-485B-9764-EAC9E56C1D49}" type="datetimeFigureOut">
               <a:rPr lang="en-US" smtClean="0"/>
-              <a:t>11/11/2018</a:t>
+              <a:t>11/12/2018</a:t>
             </a:fld>
             <a:endParaRPr lang="en-US"/>
           </a:p>
@@ -1170,7 +1170,7 @@
           <a:p>
             <a:fld id="{78C97017-6FC3-485B-9764-EAC9E56C1D49}" type="datetimeFigureOut">
               <a:rPr lang="en-US" smtClean="0"/>
-              <a:t>11/11/2018</a:t>
+              <a:t>11/12/2018</a:t>
             </a:fld>
             <a:endParaRPr lang="en-US"/>
           </a:p>
@@ -1415,7 +1415,7 @@
           <a:p>
             <a:fld id="{78C97017-6FC3-485B-9764-EAC9E56C1D49}" type="datetimeFigureOut">
               <a:rPr lang="en-US" smtClean="0"/>
-              <a:t>11/11/2018</a:t>
+              <a:t>11/12/2018</a:t>
             </a:fld>
             <a:endParaRPr lang="en-US"/>
           </a:p>
@@ -1700,7 +1700,7 @@
           <a:p>
             <a:fld id="{78C97017-6FC3-485B-9764-EAC9E56C1D49}" type="datetimeFigureOut">
               <a:rPr lang="en-US" smtClean="0"/>
-              <a:t>11/11/2018</a:t>
+              <a:t>11/12/2018</a:t>
             </a:fld>
             <a:endParaRPr lang="en-US"/>
           </a:p>
@@ -2119,7 +2119,7 @@
           <a:p>
             <a:fld id="{78C97017-6FC3-485B-9764-EAC9E56C1D49}" type="datetimeFigureOut">
               <a:rPr lang="en-US" smtClean="0"/>
-              <a:t>11/11/2018</a:t>
+              <a:t>11/12/2018</a:t>
             </a:fld>
             <a:endParaRPr lang="en-US"/>
           </a:p>
@@ -2236,7 +2236,7 @@
           <a:p>
             <a:fld id="{78C97017-6FC3-485B-9764-EAC9E56C1D49}" type="datetimeFigureOut">
               <a:rPr lang="en-US" smtClean="0"/>
-              <a:t>11/11/2018</a:t>
+              <a:t>11/12/2018</a:t>
             </a:fld>
             <a:endParaRPr lang="en-US"/>
           </a:p>
@@ -2331,7 +2331,7 @@
           <a:p>
             <a:fld id="{78C97017-6FC3-485B-9764-EAC9E56C1D49}" type="datetimeFigureOut">
               <a:rPr lang="en-US" smtClean="0"/>
-              <a:t>11/11/2018</a:t>
+              <a:t>11/12/2018</a:t>
             </a:fld>
             <a:endParaRPr lang="en-US"/>
           </a:p>
@@ -2606,7 +2606,7 @@
           <a:p>
             <a:fld id="{78C97017-6FC3-485B-9764-EAC9E56C1D49}" type="datetimeFigureOut">
               <a:rPr lang="en-US" smtClean="0"/>
-              <a:t>11/11/2018</a:t>
+              <a:t>11/12/2018</a:t>
             </a:fld>
             <a:endParaRPr lang="en-US"/>
           </a:p>
@@ -2858,7 +2858,7 @@
           <a:p>
             <a:fld id="{78C97017-6FC3-485B-9764-EAC9E56C1D49}" type="datetimeFigureOut">
               <a:rPr lang="en-US" smtClean="0"/>
-              <a:t>11/11/2018</a:t>
+              <a:t>11/12/2018</a:t>
             </a:fld>
             <a:endParaRPr lang="en-US"/>
           </a:p>
@@ -3069,7 +3069,7 @@
           <a:p>
             <a:fld id="{78C97017-6FC3-485B-9764-EAC9E56C1D49}" type="datetimeFigureOut">
               <a:rPr lang="en-US" smtClean="0"/>
-              <a:t>11/11/2018</a:t>
+              <a:t>11/12/2018</a:t>
             </a:fld>
             <a:endParaRPr lang="en-US"/>
           </a:p>
@@ -9336,7 +9336,7 @@
         <p:spPr>
           <a:xfrm>
             <a:off x="3599455" y="1066799"/>
-            <a:ext cx="1277345" cy="531019"/>
+            <a:ext cx="1349352" cy="531019"/>
           </a:xfrm>
           <a:prstGeom prst="rect">
             <a:avLst/>
@@ -9376,15 +9376,7 @@
                   <a:schemeClr val="bg1"/>
                 </a:solidFill>
               </a:rPr>
-              <a:t>:</a:t>
-            </a:r>
-            <a:r>
-              <a:rPr lang="en-US" sz="1200" dirty="0" err="1">
-                <a:solidFill>
-                  <a:schemeClr val="bg1"/>
-                </a:solidFill>
-              </a:rPr>
-              <a:t>CheckCommand</a:t>
+              <a:t>c:CheckCommand</a:t>
             </a:r>
             <a:br>
               <a:rPr lang="en-US" sz="1200" dirty="0">
@@ -12190,6 +12182,52 @@
                 </a:solidFill>
               </a:rPr>
               <a:t>()</a:t>
+            </a:r>
+          </a:p>
+        </p:txBody>
+      </p:sp>
+      <p:sp>
+        <p:nvSpPr>
+          <p:cNvPr id="74" name="TextBox 73">
+            <a:extLst>
+              <a:ext uri="{FF2B5EF4-FFF2-40B4-BE49-F238E27FC236}">
+                <a16:creationId xmlns:a16="http://schemas.microsoft.com/office/drawing/2014/main" id="{5CF60DD2-EE6A-49C5-8CFF-76AA35BE6121}"/>
+              </a:ext>
+            </a:extLst>
+          </p:cNvPr>
+          <p:cNvSpPr txBox="1"/>
+          <p:nvPr/>
+        </p:nvSpPr>
+        <p:spPr>
+          <a:xfrm>
+            <a:off x="2302865" y="2879467"/>
+            <a:ext cx="159448" cy="184666"/>
+          </a:xfrm>
+          <a:prstGeom prst="rect">
+            <a:avLst/>
+          </a:prstGeom>
+          <a:noFill/>
+        </p:spPr>
+        <p:txBody>
+          <a:bodyPr wrap="square" lIns="0" tIns="0" rIns="0" bIns="0" rtlCol="0">
+            <a:spAutoFit/>
+          </a:bodyPr>
+          <a:lstStyle>
+            <a:defPPr>
+              <a:defRPr lang="en-US"/>
+            </a:defPPr>
+            <a:lvl1pPr algn="r">
+              <a:defRPr sz="1400">
+                <a:solidFill>
+                  <a:srgbClr val="0070C0"/>
+                </a:solidFill>
+              </a:defRPr>
+            </a:lvl1pPr>
+          </a:lstStyle>
+          <a:p>
+            <a:r>
+              <a:rPr lang="en-US" sz="1200" dirty="0"/>
+              <a:t>c</a:t>
             </a:r>
           </a:p>
         </p:txBody>
